--- a/Temporales/pc3/Practica 3 Personas.pptx
+++ b/Temporales/pc3/Practica 3 Personas.pptx
@@ -124,7 +124,7 @@
   </p:defaultTextStyle>
   <p:extLst>
     <p:ext uri="{EFAFB233-063F-42B5-8137-9DF3F51BA10A}">
-      <p15:sldGuideLst xmlns:p15="http://schemas.microsoft.com/office/powerpoint/2012/main" xmlns=""/>
+      <p15:sldGuideLst xmlns="" xmlns:p15="http://schemas.microsoft.com/office/powerpoint/2012/main"/>
     </p:ext>
   </p:extLst>
 </p:presentation>
@@ -5897,7 +5897,6 @@
               <a:rPr lang="es-PE" dirty="0" smtClean="0"/>
               <a:t>Integrante:</a:t>
             </a:r>
-            <a:endParaRPr lang="es-PE" dirty="0" smtClean="0"/>
           </a:p>
           <a:p>
             <a:pPr marL="285750" indent="-285750" algn="l">
@@ -7266,23 +7265,17 @@
               <a:rPr lang="es-PE" dirty="0" smtClean="0"/>
               <a:t>Practica3.java</a:t>
             </a:r>
-            <a:endParaRPr lang="es-PE" dirty="0" smtClean="0"/>
           </a:p>
           <a:p>
             <a:r>
               <a:rPr lang="es-PE" dirty="0" smtClean="0"/>
               <a:t>Mostrar.java</a:t>
             </a:r>
-            <a:endParaRPr lang="es-PE" dirty="0" smtClean="0"/>
           </a:p>
           <a:p>
             <a:r>
               <a:rPr lang="es-PE" dirty="0" smtClean="0"/>
-              <a:t>Eliminar</a:t>
-            </a:r>
-            <a:r>
-              <a:rPr lang="es-PE" dirty="0" smtClean="0"/>
-              <a:t>.java</a:t>
+              <a:t>Eliminar.java</a:t>
             </a:r>
           </a:p>
           <a:p>
@@ -8498,11 +8491,7 @@
             </a:r>
             <a:r>
               <a:rPr lang="es-PE" dirty="0" smtClean="0"/>
-              <a:t> siguientes</a:t>
-            </a:r>
-            <a:r>
-              <a:rPr lang="es-PE" dirty="0" smtClean="0"/>
-              <a:t>:</a:t>
+              <a:t> siguientes:</a:t>
             </a:r>
           </a:p>
           <a:p>
@@ -8519,50 +8508,51 @@
               <a:t>Insertar: </a:t>
             </a:r>
             <a:r>
-              <a:rPr lang="es-PE" dirty="0"/>
-              <a:t>Es donde se vera en formulario de registro de un persona</a:t>
+              <a:rPr lang="es-PE" dirty="0" smtClean="0"/>
+              <a:t>Es donde se insertara una nueva persona</a:t>
+            </a:r>
+            <a:endParaRPr lang="es-PE" dirty="0" smtClean="0"/>
+          </a:p>
+          <a:p>
+            <a:pPr lvl="1"/>
+            <a:r>
+              <a:rPr lang="es-PE" dirty="0" smtClean="0"/>
+              <a:t>Mostrar: </a:t>
+            </a:r>
+            <a:r>
+              <a:rPr lang="es-PE" dirty="0" smtClean="0"/>
+              <a:t>Mostrar </a:t>
+            </a:r>
+            <a:r>
+              <a:rPr lang="es-PE" dirty="0" smtClean="0"/>
+              <a:t>a las personas de la búsqueda </a:t>
+            </a:r>
+            <a:r>
+              <a:rPr lang="es-PE" dirty="0" smtClean="0"/>
+              <a:t>persona</a:t>
             </a:r>
             <a:r>
               <a:rPr lang="es-PE" dirty="0" smtClean="0"/>
               <a:t>.</a:t>
             </a:r>
+          </a:p>
+          <a:p>
+            <a:pPr lvl="1"/>
+            <a:r>
+              <a:rPr lang="es-PE" dirty="0" smtClean="0"/>
+              <a:t>Eliminar: </a:t>
+            </a:r>
+            <a:r>
+              <a:rPr lang="es-PE" dirty="0" smtClean="0"/>
+              <a:t>Eliminar una persona por DNI.</a:t>
+            </a:r>
             <a:endParaRPr lang="es-PE" dirty="0" smtClean="0"/>
           </a:p>
           <a:p>
             <a:pPr lvl="1"/>
             <a:r>
               <a:rPr lang="es-PE" dirty="0" smtClean="0"/>
-              <a:t>Mostrar: </a:t>
-            </a:r>
-            <a:r>
-              <a:rPr lang="es-PE" dirty="0" smtClean="0"/>
-              <a:t>Insertar una persona.</a:t>
-            </a:r>
-          </a:p>
-          <a:p>
-            <a:pPr lvl="1"/>
-            <a:r>
-              <a:rPr lang="es-PE" dirty="0" smtClean="0"/>
-              <a:t>Eliminar</a:t>
-            </a:r>
-            <a:r>
-              <a:rPr lang="es-PE" dirty="0" smtClean="0"/>
-              <a:t>: </a:t>
-            </a:r>
-            <a:r>
-              <a:rPr lang="es-PE" dirty="0" smtClean="0"/>
-              <a:t>Buscar una persona por apellido</a:t>
-            </a:r>
-            <a:r>
-              <a:rPr lang="es-PE" dirty="0" smtClean="0"/>
-              <a:t>.</a:t>
-            </a:r>
-          </a:p>
-          <a:p>
-            <a:pPr lvl="1"/>
-            <a:r>
-              <a:rPr lang="es-PE" dirty="0" smtClean="0"/>
-              <a:t>Modificar</a:t>
+              <a:t>Modificar: Modificar los datos de la persona.</a:t>
             </a:r>
             <a:endParaRPr lang="es-PE" dirty="0"/>
           </a:p>
@@ -8579,11 +8569,7 @@
             <a:pPr lvl="1"/>
             <a:r>
               <a:rPr lang="es-PE" dirty="0" smtClean="0"/>
-              <a:t>Persona: Base de datos con registros</a:t>
-            </a:r>
-            <a:r>
-              <a:rPr lang="es-PE" dirty="0" smtClean="0"/>
-              <a:t>:</a:t>
+              <a:t>Persona: Base de datos con registros:</a:t>
             </a:r>
           </a:p>
           <a:p>
@@ -9212,7 +9198,6 @@
               <a:rPr lang="es-PE" b="1" dirty="0"/>
               <a:t>?&gt;</a:t>
             </a:r>
-            <a:endParaRPr lang="es-PE" b="1" dirty="0"/>
           </a:p>
         </p:txBody>
       </p:sp>
@@ -10130,7 +10115,6 @@
               <a:rPr lang="es-PE" b="1" dirty="0"/>
               <a:t>?&gt;</a:t>
             </a:r>
-            <a:endParaRPr lang="es-PE" b="1" dirty="0"/>
           </a:p>
         </p:txBody>
       </p:sp>
@@ -10740,7 +10724,7 @@
   <a:extraClrSchemeLst/>
   <a:extLst>
     <a:ext uri="{05A4C25C-085E-4340-85A3-A5531E510DB2}">
-      <thm15:themeFamily xmlns:thm15="http://schemas.microsoft.com/office/thememl/2012/main" xmlns="" name="Facet" id="{C0C680CD-088A-49FC-A102-D699147F32B2}" vid="{CFBC31BA-B70F-4F30-BCAA-4F3011E16C4D}"/>
+      <thm15:themeFamily xmlns="" xmlns:thm15="http://schemas.microsoft.com/office/thememl/2012/main" name="Facet" id="{C0C680CD-088A-49FC-A102-D699147F32B2}" vid="{CFBC31BA-B70F-4F30-BCAA-4F3011E16C4D}"/>
     </a:ext>
   </a:extLst>
 </a:theme>
